--- a/ppt/mp1-ladera_presentation.pptx
+++ b/ppt/mp1-ladera_presentation.pptx
@@ -20642,7 +20642,7 @@
         </p:nvSpPr>
         <p:spPr>
           <a:xfrm rot="10800000">
-            <a:off x="5511050" y="1902938"/>
+            <a:off x="5713071" y="1615860"/>
             <a:ext cx="2326500" cy="381000"/>
           </a:xfrm>
           <a:prstGeom prst="homePlate">
@@ -20684,7 +20684,7 @@
         </p:nvSpPr>
         <p:spPr>
           <a:xfrm rot="10800000">
-            <a:off x="5511050" y="2606325"/>
+            <a:off x="5713071" y="2319247"/>
             <a:ext cx="2326500" cy="381000"/>
           </a:xfrm>
           <a:prstGeom prst="homePlate">
@@ -20726,7 +20726,7 @@
         </p:nvSpPr>
         <p:spPr>
           <a:xfrm rot="10800000">
-            <a:off x="5511050" y="3309688"/>
+            <a:off x="5713071" y="3022610"/>
             <a:ext cx="2326500" cy="381000"/>
           </a:xfrm>
           <a:prstGeom prst="homePlate">
@@ -20814,7 +20814,7 @@
         </p:nvSpPr>
         <p:spPr>
           <a:xfrm>
-            <a:off x="7903950" y="1849475"/>
+            <a:off x="8105971" y="1562397"/>
             <a:ext cx="423900" cy="423900"/>
           </a:xfrm>
           <a:prstGeom prst="ellipse">
@@ -20854,7 +20854,7 @@
         </p:nvSpPr>
         <p:spPr>
           <a:xfrm>
-            <a:off x="7903950" y="2550825"/>
+            <a:off x="8105971" y="2263747"/>
             <a:ext cx="423900" cy="423900"/>
           </a:xfrm>
           <a:prstGeom prst="ellipse">
@@ -20894,7 +20894,7 @@
         </p:nvSpPr>
         <p:spPr>
           <a:xfrm>
-            <a:off x="7893317" y="3284074"/>
+            <a:off x="8095338" y="2996996"/>
             <a:ext cx="423900" cy="423900"/>
           </a:xfrm>
           <a:prstGeom prst="ellipse">
@@ -27336,7 +27336,7 @@
         </p:nvSpPr>
         <p:spPr>
           <a:xfrm>
-            <a:off x="5393881" y="2071888"/>
+            <a:off x="5595902" y="1784810"/>
             <a:ext cx="2076000" cy="196200"/>
           </a:xfrm>
           <a:prstGeom prst="rect">
@@ -27386,7 +27386,7 @@
         </p:nvSpPr>
         <p:spPr>
           <a:xfrm>
-            <a:off x="5393881" y="3474575"/>
+            <a:off x="5595902" y="3187497"/>
             <a:ext cx="2076000" cy="196200"/>
           </a:xfrm>
           <a:prstGeom prst="rect">
@@ -27436,7 +27436,7 @@
         </p:nvSpPr>
         <p:spPr>
           <a:xfrm>
-            <a:off x="5393881" y="2773231"/>
+            <a:off x="5595902" y="2486153"/>
             <a:ext cx="2076000" cy="196200"/>
           </a:xfrm>
           <a:prstGeom prst="rect">
@@ -27488,7 +27488,7 @@
         </p:nvGrpSpPr>
         <p:grpSpPr>
           <a:xfrm>
-            <a:off x="8012592" y="1931179"/>
+            <a:off x="8214613" y="1644101"/>
             <a:ext cx="238273" cy="269621"/>
             <a:chOff x="5573346" y="4046300"/>
             <a:chExt cx="355121" cy="355121"/>
@@ -27767,7 +27767,7 @@
         </p:nvGrpSpPr>
         <p:grpSpPr>
           <a:xfrm>
-            <a:off x="8016135" y="2615213"/>
+            <a:off x="8218156" y="2328135"/>
             <a:ext cx="238273" cy="269621"/>
             <a:chOff x="5573346" y="4046300"/>
             <a:chExt cx="355121" cy="355121"/>
@@ -28046,7 +28046,7 @@
         </p:nvGrpSpPr>
         <p:grpSpPr>
           <a:xfrm>
-            <a:off x="8005501" y="3348862"/>
+            <a:off x="8207522" y="3061784"/>
             <a:ext cx="238273" cy="269621"/>
             <a:chOff x="5573346" y="4046300"/>
             <a:chExt cx="355121" cy="355121"/>
@@ -28229,6 +28229,669 @@
               <a:extLst>
                 <a:ext uri="{FF2B5EF4-FFF2-40B4-BE49-F238E27FC236}">
                   <a16:creationId xmlns:a16="http://schemas.microsoft.com/office/drawing/2014/main" id="{21931670-1DB8-DFF8-4C18-545671E6D14D}"/>
+                </a:ext>
+              </a:extLst>
+            </p:cNvPr>
+            <p:cNvSpPr/>
+            <p:nvPr/>
+          </p:nvSpPr>
+          <p:spPr>
+            <a:xfrm>
+              <a:off x="5635922" y="4351811"/>
+              <a:ext cx="292545" cy="49610"/>
+            </a:xfrm>
+            <a:custGeom>
+              <a:avLst/>
+              <a:gdLst/>
+              <a:ahLst/>
+              <a:cxnLst/>
+              <a:rect l="l" t="t" r="r" b="b"/>
+              <a:pathLst>
+                <a:path w="8574" h="1454" extrusionOk="0">
+                  <a:moveTo>
+                    <a:pt x="477" y="1"/>
+                  </a:moveTo>
+                  <a:cubicBezTo>
+                    <a:pt x="334" y="1"/>
+                    <a:pt x="215" y="120"/>
+                    <a:pt x="215" y="286"/>
+                  </a:cubicBezTo>
+                  <a:lnTo>
+                    <a:pt x="215" y="739"/>
+                  </a:lnTo>
+                  <a:cubicBezTo>
+                    <a:pt x="215" y="977"/>
+                    <a:pt x="143" y="1239"/>
+                    <a:pt x="1" y="1453"/>
+                  </a:cubicBezTo>
+                  <a:lnTo>
+                    <a:pt x="7859" y="1453"/>
+                  </a:lnTo>
+                  <a:cubicBezTo>
+                    <a:pt x="8240" y="1453"/>
+                    <a:pt x="8574" y="1120"/>
+                    <a:pt x="8574" y="739"/>
+                  </a:cubicBezTo>
+                  <a:lnTo>
+                    <a:pt x="8574" y="286"/>
+                  </a:lnTo>
+                  <a:cubicBezTo>
+                    <a:pt x="8574" y="120"/>
+                    <a:pt x="8455" y="1"/>
+                    <a:pt x="8312" y="1"/>
+                  </a:cubicBezTo>
+                  <a:close/>
+                </a:path>
+              </a:pathLst>
+            </a:custGeom>
+            <a:solidFill>
+              <a:schemeClr val="dk1"/>
+            </a:solidFill>
+            <a:ln>
+              <a:noFill/>
+            </a:ln>
+          </p:spPr>
+          <p:txBody>
+            <a:bodyPr spcFirstLastPara="1" wrap="square" lIns="91425" tIns="91425" rIns="91425" bIns="91425" anchor="ctr" anchorCtr="0">
+              <a:noAutofit/>
+            </a:bodyPr>
+            <a:lstStyle/>
+            <a:p>
+              <a:pPr marL="0" lvl="0" indent="0" algn="l" rtl="0">
+                <a:spcBef>
+                  <a:spcPts val="0"/>
+                </a:spcBef>
+                <a:spcAft>
+                  <a:spcPts val="0"/>
+                </a:spcAft>
+                <a:buNone/>
+              </a:pPr>
+              <a:endParaRPr/>
+            </a:p>
+          </p:txBody>
+        </p:sp>
+      </p:grpSp>
+      <p:sp>
+        <p:nvSpPr>
+          <p:cNvPr id="11" name="Google Shape;448;p29">
+            <a:extLst>
+              <a:ext uri="{FF2B5EF4-FFF2-40B4-BE49-F238E27FC236}">
+                <a16:creationId xmlns:a16="http://schemas.microsoft.com/office/drawing/2014/main" id="{B784E1D9-9C0A-5B73-D2FB-248EA2A5846F}"/>
+              </a:ext>
+            </a:extLst>
+          </p:cNvPr>
+          <p:cNvSpPr/>
+          <p:nvPr/>
+        </p:nvSpPr>
+        <p:spPr>
+          <a:xfrm rot="10800000">
+            <a:off x="5716615" y="3664110"/>
+            <a:ext cx="2326500" cy="381000"/>
+          </a:xfrm>
+          <a:prstGeom prst="homePlate">
+            <a:avLst>
+              <a:gd name="adj" fmla="val 50000"/>
+            </a:avLst>
+          </a:prstGeom>
+          <a:solidFill>
+            <a:schemeClr val="accent1"/>
+          </a:solidFill>
+          <a:ln>
+            <a:noFill/>
+          </a:ln>
+        </p:spPr>
+        <p:txBody>
+          <a:bodyPr spcFirstLastPara="1" wrap="square" lIns="91425" tIns="91425" rIns="91425" bIns="91425" anchor="ctr" anchorCtr="0">
+            <a:noAutofit/>
+          </a:bodyPr>
+          <a:lstStyle/>
+          <a:p>
+            <a:pPr marL="0" lvl="0" indent="0" algn="l" rtl="0">
+              <a:spcBef>
+                <a:spcPts val="0"/>
+              </a:spcBef>
+              <a:spcAft>
+                <a:spcPts val="0"/>
+              </a:spcAft>
+              <a:buNone/>
+            </a:pPr>
+            <a:endParaRPr/>
+          </a:p>
+        </p:txBody>
+      </p:sp>
+      <p:sp>
+        <p:nvSpPr>
+          <p:cNvPr id="12" name="Google Shape;454;p29">
+            <a:extLst>
+              <a:ext uri="{FF2B5EF4-FFF2-40B4-BE49-F238E27FC236}">
+                <a16:creationId xmlns:a16="http://schemas.microsoft.com/office/drawing/2014/main" id="{45432525-B7AF-23C8-C09D-6CECE0E9CD62}"/>
+              </a:ext>
+            </a:extLst>
+          </p:cNvPr>
+          <p:cNvSpPr/>
+          <p:nvPr/>
+        </p:nvSpPr>
+        <p:spPr>
+          <a:xfrm>
+            <a:off x="8098882" y="3638496"/>
+            <a:ext cx="423900" cy="423900"/>
+          </a:xfrm>
+          <a:prstGeom prst="ellipse">
+            <a:avLst/>
+          </a:prstGeom>
+          <a:solidFill>
+            <a:schemeClr val="accent1"/>
+          </a:solidFill>
+          <a:ln>
+            <a:noFill/>
+          </a:ln>
+        </p:spPr>
+        <p:txBody>
+          <a:bodyPr spcFirstLastPara="1" wrap="square" lIns="91425" tIns="91425" rIns="91425" bIns="91425" anchor="ctr" anchorCtr="0">
+            <a:noAutofit/>
+          </a:bodyPr>
+          <a:lstStyle/>
+          <a:p>
+            <a:pPr marL="0" lvl="0" indent="0" algn="l" rtl="0">
+              <a:spcBef>
+                <a:spcPts val="0"/>
+              </a:spcBef>
+              <a:spcAft>
+                <a:spcPts val="0"/>
+              </a:spcAft>
+              <a:buNone/>
+            </a:pPr>
+            <a:endParaRPr/>
+          </a:p>
+        </p:txBody>
+      </p:sp>
+      <p:sp>
+        <p:nvSpPr>
+          <p:cNvPr id="13" name="Google Shape;557;p29">
+            <a:extLst>
+              <a:ext uri="{FF2B5EF4-FFF2-40B4-BE49-F238E27FC236}">
+                <a16:creationId xmlns:a16="http://schemas.microsoft.com/office/drawing/2014/main" id="{BE500559-70EF-078D-B433-6B80ECEDDFFA}"/>
+              </a:ext>
+            </a:extLst>
+          </p:cNvPr>
+          <p:cNvSpPr txBox="1">
+            <a:spLocks/>
+          </p:cNvSpPr>
+          <p:nvPr/>
+        </p:nvSpPr>
+        <p:spPr>
+          <a:xfrm>
+            <a:off x="5599446" y="3828997"/>
+            <a:ext cx="2076000" cy="196200"/>
+          </a:xfrm>
+          <a:prstGeom prst="rect">
+            <a:avLst/>
+          </a:prstGeom>
+          <a:noFill/>
+          <a:ln>
+            <a:noFill/>
+          </a:ln>
+        </p:spPr>
+        <p:txBody>
+          <a:bodyPr spcFirstLastPara="1" wrap="square" lIns="91425" tIns="91425" rIns="91425" bIns="91425" anchor="b" anchorCtr="0">
+            <a:noAutofit/>
+          </a:bodyPr>
+          <a:lstStyle>
+            <a:defPPr marR="0" lvl="0" algn="l" rtl="0">
+              <a:lnSpc>
+                <a:spcPct val="100000"/>
+              </a:lnSpc>
+              <a:spcBef>
+                <a:spcPts val="0"/>
+              </a:spcBef>
+              <a:spcAft>
+                <a:spcPts val="0"/>
+              </a:spcAft>
+            </a:defPPr>
+            <a:lvl1pPr marR="0" lvl="0" algn="r" rtl="0">
+              <a:lnSpc>
+                <a:spcPct val="100000"/>
+              </a:lnSpc>
+              <a:spcBef>
+                <a:spcPts val="0"/>
+              </a:spcBef>
+              <a:spcAft>
+                <a:spcPts val="0"/>
+              </a:spcAft>
+              <a:buClr>
+                <a:schemeClr val="accent1"/>
+              </a:buClr>
+              <a:buSzPts val="1100"/>
+              <a:buFont typeface="Roboto Black"/>
+              <a:buNone/>
+              <a:defRPr sz="1100" b="0" i="0" u="none" strike="noStrike" cap="none">
+                <a:solidFill>
+                  <a:schemeClr val="accent1"/>
+                </a:solidFill>
+                <a:latin typeface="Roboto Black"/>
+                <a:ea typeface="Roboto Black"/>
+                <a:cs typeface="Roboto Black"/>
+                <a:sym typeface="Roboto Black"/>
+              </a:defRPr>
+            </a:lvl1pPr>
+            <a:lvl2pPr marR="0" lvl="1" algn="r" rtl="0">
+              <a:lnSpc>
+                <a:spcPct val="100000"/>
+              </a:lnSpc>
+              <a:spcBef>
+                <a:spcPts val="0"/>
+              </a:spcBef>
+              <a:spcAft>
+                <a:spcPts val="0"/>
+              </a:spcAft>
+              <a:buClr>
+                <a:schemeClr val="accent1"/>
+              </a:buClr>
+              <a:buSzPts val="1100"/>
+              <a:buFont typeface="Roboto Black"/>
+              <a:buNone/>
+              <a:defRPr sz="1100" b="0" i="0" u="none" strike="noStrike" cap="none">
+                <a:solidFill>
+                  <a:schemeClr val="accent1"/>
+                </a:solidFill>
+                <a:latin typeface="Roboto Black"/>
+                <a:ea typeface="Roboto Black"/>
+                <a:cs typeface="Roboto Black"/>
+                <a:sym typeface="Roboto Black"/>
+              </a:defRPr>
+            </a:lvl2pPr>
+            <a:lvl3pPr marR="0" lvl="2" algn="r" rtl="0">
+              <a:lnSpc>
+                <a:spcPct val="100000"/>
+              </a:lnSpc>
+              <a:spcBef>
+                <a:spcPts val="0"/>
+              </a:spcBef>
+              <a:spcAft>
+                <a:spcPts val="0"/>
+              </a:spcAft>
+              <a:buClr>
+                <a:schemeClr val="accent1"/>
+              </a:buClr>
+              <a:buSzPts val="1100"/>
+              <a:buFont typeface="Roboto Black"/>
+              <a:buNone/>
+              <a:defRPr sz="1100" b="0" i="0" u="none" strike="noStrike" cap="none">
+                <a:solidFill>
+                  <a:schemeClr val="accent1"/>
+                </a:solidFill>
+                <a:latin typeface="Roboto Black"/>
+                <a:ea typeface="Roboto Black"/>
+                <a:cs typeface="Roboto Black"/>
+                <a:sym typeface="Roboto Black"/>
+              </a:defRPr>
+            </a:lvl3pPr>
+            <a:lvl4pPr marR="0" lvl="3" algn="r" rtl="0">
+              <a:lnSpc>
+                <a:spcPct val="100000"/>
+              </a:lnSpc>
+              <a:spcBef>
+                <a:spcPts val="0"/>
+              </a:spcBef>
+              <a:spcAft>
+                <a:spcPts val="0"/>
+              </a:spcAft>
+              <a:buClr>
+                <a:schemeClr val="accent1"/>
+              </a:buClr>
+              <a:buSzPts val="1100"/>
+              <a:buFont typeface="Roboto Black"/>
+              <a:buNone/>
+              <a:defRPr sz="1100" b="0" i="0" u="none" strike="noStrike" cap="none">
+                <a:solidFill>
+                  <a:schemeClr val="accent1"/>
+                </a:solidFill>
+                <a:latin typeface="Roboto Black"/>
+                <a:ea typeface="Roboto Black"/>
+                <a:cs typeface="Roboto Black"/>
+                <a:sym typeface="Roboto Black"/>
+              </a:defRPr>
+            </a:lvl4pPr>
+            <a:lvl5pPr marR="0" lvl="4" algn="r" rtl="0">
+              <a:lnSpc>
+                <a:spcPct val="100000"/>
+              </a:lnSpc>
+              <a:spcBef>
+                <a:spcPts val="0"/>
+              </a:spcBef>
+              <a:spcAft>
+                <a:spcPts val="0"/>
+              </a:spcAft>
+              <a:buClr>
+                <a:schemeClr val="accent1"/>
+              </a:buClr>
+              <a:buSzPts val="1100"/>
+              <a:buFont typeface="Roboto Black"/>
+              <a:buNone/>
+              <a:defRPr sz="1100" b="0" i="0" u="none" strike="noStrike" cap="none">
+                <a:solidFill>
+                  <a:schemeClr val="accent1"/>
+                </a:solidFill>
+                <a:latin typeface="Roboto Black"/>
+                <a:ea typeface="Roboto Black"/>
+                <a:cs typeface="Roboto Black"/>
+                <a:sym typeface="Roboto Black"/>
+              </a:defRPr>
+            </a:lvl5pPr>
+            <a:lvl6pPr marR="0" lvl="5" algn="r" rtl="0">
+              <a:lnSpc>
+                <a:spcPct val="100000"/>
+              </a:lnSpc>
+              <a:spcBef>
+                <a:spcPts val="0"/>
+              </a:spcBef>
+              <a:spcAft>
+                <a:spcPts val="0"/>
+              </a:spcAft>
+              <a:buClr>
+                <a:schemeClr val="accent1"/>
+              </a:buClr>
+              <a:buSzPts val="1100"/>
+              <a:buFont typeface="Roboto Black"/>
+              <a:buNone/>
+              <a:defRPr sz="1100" b="0" i="0" u="none" strike="noStrike" cap="none">
+                <a:solidFill>
+                  <a:schemeClr val="accent1"/>
+                </a:solidFill>
+                <a:latin typeface="Roboto Black"/>
+                <a:ea typeface="Roboto Black"/>
+                <a:cs typeface="Roboto Black"/>
+                <a:sym typeface="Roboto Black"/>
+              </a:defRPr>
+            </a:lvl6pPr>
+            <a:lvl7pPr marR="0" lvl="6" algn="r" rtl="0">
+              <a:lnSpc>
+                <a:spcPct val="100000"/>
+              </a:lnSpc>
+              <a:spcBef>
+                <a:spcPts val="0"/>
+              </a:spcBef>
+              <a:spcAft>
+                <a:spcPts val="0"/>
+              </a:spcAft>
+              <a:buClr>
+                <a:schemeClr val="accent1"/>
+              </a:buClr>
+              <a:buSzPts val="1100"/>
+              <a:buFont typeface="Roboto Black"/>
+              <a:buNone/>
+              <a:defRPr sz="1100" b="0" i="0" u="none" strike="noStrike" cap="none">
+                <a:solidFill>
+                  <a:schemeClr val="accent1"/>
+                </a:solidFill>
+                <a:latin typeface="Roboto Black"/>
+                <a:ea typeface="Roboto Black"/>
+                <a:cs typeface="Roboto Black"/>
+                <a:sym typeface="Roboto Black"/>
+              </a:defRPr>
+            </a:lvl7pPr>
+            <a:lvl8pPr marR="0" lvl="7" algn="r" rtl="0">
+              <a:lnSpc>
+                <a:spcPct val="100000"/>
+              </a:lnSpc>
+              <a:spcBef>
+                <a:spcPts val="0"/>
+              </a:spcBef>
+              <a:spcAft>
+                <a:spcPts val="0"/>
+              </a:spcAft>
+              <a:buClr>
+                <a:schemeClr val="accent1"/>
+              </a:buClr>
+              <a:buSzPts val="1100"/>
+              <a:buFont typeface="Roboto Black"/>
+              <a:buNone/>
+              <a:defRPr sz="1100" b="0" i="0" u="none" strike="noStrike" cap="none">
+                <a:solidFill>
+                  <a:schemeClr val="accent1"/>
+                </a:solidFill>
+                <a:latin typeface="Roboto Black"/>
+                <a:ea typeface="Roboto Black"/>
+                <a:cs typeface="Roboto Black"/>
+                <a:sym typeface="Roboto Black"/>
+              </a:defRPr>
+            </a:lvl8pPr>
+            <a:lvl9pPr marR="0" lvl="8" algn="r" rtl="0">
+              <a:lnSpc>
+                <a:spcPct val="100000"/>
+              </a:lnSpc>
+              <a:spcBef>
+                <a:spcPts val="0"/>
+              </a:spcBef>
+              <a:spcAft>
+                <a:spcPts val="0"/>
+              </a:spcAft>
+              <a:buClr>
+                <a:schemeClr val="accent1"/>
+              </a:buClr>
+              <a:buSzPts val="1100"/>
+              <a:buFont typeface="Roboto Black"/>
+              <a:buNone/>
+              <a:defRPr sz="1100" b="0" i="0" u="none" strike="noStrike" cap="none">
+                <a:solidFill>
+                  <a:schemeClr val="accent1"/>
+                </a:solidFill>
+                <a:latin typeface="Roboto Black"/>
+                <a:ea typeface="Roboto Black"/>
+                <a:cs typeface="Roboto Black"/>
+                <a:sym typeface="Roboto Black"/>
+              </a:defRPr>
+            </a:lvl9pPr>
+          </a:lstStyle>
+          <a:p>
+            <a:r>
+              <a:rPr lang="en-US" dirty="0">
+                <a:solidFill>
+                  <a:srgbClr val="0E2A47"/>
+                </a:solidFill>
+              </a:rPr>
+              <a:t>FLATPICKR</a:t>
+            </a:r>
+          </a:p>
+        </p:txBody>
+      </p:sp>
+      <p:grpSp>
+        <p:nvGrpSpPr>
+          <p:cNvPr id="14" name="Google Shape;564;p15">
+            <a:extLst>
+              <a:ext uri="{FF2B5EF4-FFF2-40B4-BE49-F238E27FC236}">
+                <a16:creationId xmlns:a16="http://schemas.microsoft.com/office/drawing/2014/main" id="{E707B5B9-D60B-3936-93B2-204F3B838B1C}"/>
+              </a:ext>
+            </a:extLst>
+          </p:cNvPr>
+          <p:cNvGrpSpPr/>
+          <p:nvPr/>
+        </p:nvGrpSpPr>
+        <p:grpSpPr>
+          <a:xfrm>
+            <a:off x="8211066" y="3703284"/>
+            <a:ext cx="238273" cy="269621"/>
+            <a:chOff x="5573346" y="4046300"/>
+            <a:chExt cx="355121" cy="355121"/>
+          </a:xfrm>
+        </p:grpSpPr>
+        <p:sp>
+          <p:nvSpPr>
+            <p:cNvPr id="15" name="Google Shape;565;p15">
+              <a:extLst>
+                <a:ext uri="{FF2B5EF4-FFF2-40B4-BE49-F238E27FC236}">
+                  <a16:creationId xmlns:a16="http://schemas.microsoft.com/office/drawing/2014/main" id="{5185D3D7-F4C8-FBB6-3CCC-38A33CFF4B12}"/>
+                </a:ext>
+              </a:extLst>
+            </p:cNvPr>
+            <p:cNvSpPr/>
+            <p:nvPr/>
+          </p:nvSpPr>
+          <p:spPr>
+            <a:xfrm>
+              <a:off x="5573346" y="4046300"/>
+              <a:ext cx="316122" cy="355121"/>
+            </a:xfrm>
+            <a:custGeom>
+              <a:avLst/>
+              <a:gdLst/>
+              <a:ahLst/>
+              <a:cxnLst/>
+              <a:rect l="l" t="t" r="r" b="b"/>
+              <a:pathLst>
+                <a:path w="9265" h="10408" extrusionOk="0">
+                  <a:moveTo>
+                    <a:pt x="7431" y="1477"/>
+                  </a:moveTo>
+                  <a:cubicBezTo>
+                    <a:pt x="7836" y="1477"/>
+                    <a:pt x="7836" y="2072"/>
+                    <a:pt x="7431" y="2072"/>
+                  </a:cubicBezTo>
+                  <a:lnTo>
+                    <a:pt x="1835" y="2072"/>
+                  </a:lnTo>
+                  <a:cubicBezTo>
+                    <a:pt x="1430" y="2072"/>
+                    <a:pt x="1430" y="1477"/>
+                    <a:pt x="1835" y="1477"/>
+                  </a:cubicBezTo>
+                  <a:close/>
+                  <a:moveTo>
+                    <a:pt x="7431" y="3073"/>
+                  </a:moveTo>
+                  <a:cubicBezTo>
+                    <a:pt x="7836" y="3073"/>
+                    <a:pt x="7836" y="3668"/>
+                    <a:pt x="7431" y="3668"/>
+                  </a:cubicBezTo>
+                  <a:lnTo>
+                    <a:pt x="1835" y="3668"/>
+                  </a:lnTo>
+                  <a:cubicBezTo>
+                    <a:pt x="1430" y="3668"/>
+                    <a:pt x="1430" y="3073"/>
+                    <a:pt x="1835" y="3073"/>
+                  </a:cubicBezTo>
+                  <a:close/>
+                  <a:moveTo>
+                    <a:pt x="7431" y="4668"/>
+                  </a:moveTo>
+                  <a:cubicBezTo>
+                    <a:pt x="7836" y="4668"/>
+                    <a:pt x="7836" y="5287"/>
+                    <a:pt x="7431" y="5287"/>
+                  </a:cubicBezTo>
+                  <a:lnTo>
+                    <a:pt x="1835" y="5287"/>
+                  </a:lnTo>
+                  <a:cubicBezTo>
+                    <a:pt x="1430" y="5287"/>
+                    <a:pt x="1430" y="4668"/>
+                    <a:pt x="1835" y="4668"/>
+                  </a:cubicBezTo>
+                  <a:close/>
+                  <a:moveTo>
+                    <a:pt x="7431" y="6264"/>
+                  </a:moveTo>
+                  <a:cubicBezTo>
+                    <a:pt x="7836" y="6264"/>
+                    <a:pt x="7836" y="6883"/>
+                    <a:pt x="7431" y="6883"/>
+                  </a:cubicBezTo>
+                  <a:lnTo>
+                    <a:pt x="1835" y="6883"/>
+                  </a:lnTo>
+                  <a:cubicBezTo>
+                    <a:pt x="1430" y="6883"/>
+                    <a:pt x="1430" y="6264"/>
+                    <a:pt x="1835" y="6264"/>
+                  </a:cubicBezTo>
+                  <a:close/>
+                  <a:moveTo>
+                    <a:pt x="406" y="0"/>
+                  </a:moveTo>
+                  <a:cubicBezTo>
+                    <a:pt x="168" y="0"/>
+                    <a:pt x="1" y="191"/>
+                    <a:pt x="1" y="405"/>
+                  </a:cubicBezTo>
+                  <a:lnTo>
+                    <a:pt x="1" y="9693"/>
+                  </a:lnTo>
+                  <a:cubicBezTo>
+                    <a:pt x="1" y="10050"/>
+                    <a:pt x="239" y="10336"/>
+                    <a:pt x="596" y="10407"/>
+                  </a:cubicBezTo>
+                  <a:lnTo>
+                    <a:pt x="811" y="10407"/>
+                  </a:lnTo>
+                  <a:cubicBezTo>
+                    <a:pt x="1168" y="10360"/>
+                    <a:pt x="1454" y="10050"/>
+                    <a:pt x="1454" y="9669"/>
+                  </a:cubicBezTo>
+                  <a:lnTo>
+                    <a:pt x="1454" y="8669"/>
+                  </a:lnTo>
+                  <a:cubicBezTo>
+                    <a:pt x="1454" y="8502"/>
+                    <a:pt x="1573" y="8359"/>
+                    <a:pt x="1739" y="8359"/>
+                  </a:cubicBezTo>
+                  <a:lnTo>
+                    <a:pt x="8860" y="8359"/>
+                  </a:lnTo>
+                  <a:cubicBezTo>
+                    <a:pt x="9074" y="8359"/>
+                    <a:pt x="9265" y="8169"/>
+                    <a:pt x="9265" y="7954"/>
+                  </a:cubicBezTo>
+                  <a:lnTo>
+                    <a:pt x="9265" y="786"/>
+                  </a:lnTo>
+                  <a:cubicBezTo>
+                    <a:pt x="9265" y="358"/>
+                    <a:pt x="8908" y="0"/>
+                    <a:pt x="8479" y="0"/>
+                  </a:cubicBezTo>
+                  <a:close/>
+                </a:path>
+              </a:pathLst>
+            </a:custGeom>
+            <a:solidFill>
+              <a:schemeClr val="dk1"/>
+            </a:solidFill>
+            <a:ln>
+              <a:noFill/>
+            </a:ln>
+          </p:spPr>
+          <p:txBody>
+            <a:bodyPr spcFirstLastPara="1" wrap="square" lIns="91425" tIns="91425" rIns="91425" bIns="91425" anchor="ctr" anchorCtr="0">
+              <a:noAutofit/>
+            </a:bodyPr>
+            <a:lstStyle/>
+            <a:p>
+              <a:pPr marL="0" lvl="0" indent="0" algn="l" rtl="0">
+                <a:spcBef>
+                  <a:spcPts val="0"/>
+                </a:spcBef>
+                <a:spcAft>
+                  <a:spcPts val="0"/>
+                </a:spcAft>
+                <a:buNone/>
+              </a:pPr>
+              <a:endParaRPr/>
+            </a:p>
+          </p:txBody>
+        </p:sp>
+        <p:sp>
+          <p:nvSpPr>
+            <p:cNvPr id="16" name="Google Shape;566;p15">
+              <a:extLst>
+                <a:ext uri="{FF2B5EF4-FFF2-40B4-BE49-F238E27FC236}">
+                  <a16:creationId xmlns:a16="http://schemas.microsoft.com/office/drawing/2014/main" id="{E8F90E00-20C0-BE10-FD8C-A7720C0382A5}"/>
                 </a:ext>
               </a:extLst>
             </p:cNvPr>
@@ -29733,10 +30396,10 @@
       </p:pic>
       <p:pic>
         <p:nvPicPr>
-          <p:cNvPr id="5" name="Picture 4">
+          <p:cNvPr id="4" name="Picture 3">
             <a:extLst>
               <a:ext uri="{FF2B5EF4-FFF2-40B4-BE49-F238E27FC236}">
-                <a16:creationId xmlns:a16="http://schemas.microsoft.com/office/drawing/2014/main" id="{5E6179C8-0BE8-3990-66E5-370248416199}"/>
+                <a16:creationId xmlns:a16="http://schemas.microsoft.com/office/drawing/2014/main" id="{E8179101-4ADD-AC4A-A2B3-1253BBEC3F62}"/>
               </a:ext>
             </a:extLst>
           </p:cNvPr>
@@ -29753,8 +30416,8 @@
         </p:blipFill>
         <p:spPr>
           <a:xfrm>
-            <a:off x="5708011" y="1463800"/>
-            <a:ext cx="2164159" cy="3278322"/>
+            <a:off x="5746746" y="1408909"/>
+            <a:ext cx="2100082" cy="3330553"/>
           </a:xfrm>
           <a:prstGeom prst="rect">
             <a:avLst/>
